--- a/backend/test.pptx
+++ b/backend/test.pptx
@@ -7,11 +7,6 @@
   <p:sldIdLst>
     <p:sldId id="256" r:id="rId6"/>
     <p:sldId id="257" r:id="rId7"/>
-    <p:sldId id="258" r:id="rId8"/>
-    <p:sldId id="259" r:id="rId9"/>
-    <p:sldId id="260" r:id="rId10"/>
-    <p:sldId id="261" r:id="rId11"/>
-    <p:sldId id="262" r:id="rId12"/>
   </p:sldIdLst>
   <p:sldSz cx="9144000" cy="6858000" type="screen4x3"/>
   <p:notesSz cx="6858000" cy="9144000"/>
@@ -3082,7 +3077,7 @@
           <a:p>
             <a:r>
               <a:rPr lang="en-US" sz="2000"/>
-              <a:t>Las esmeraldas</a:t>
+              <a:t>Java programming language</a:t>
             </a:r>
             <a:endParaRPr lang="en-US" smtClean="0"/>
           </a:p>
@@ -3154,396 +3149,71 @@
             <a:pPr lvl="0"/>
             <a:r>
               <a:rPr lang="en-US"/>
-              <a:t>- Introducción</a:t>
+              <a:t>- Introduction to Java</a:t>
             </a:r>
           </a:p>
           <a:p>
             <a:pPr lvl="0"/>
             <a:r>
               <a:rPr lang="en-US"/>
-              <a:t>- ¿Qué son las esmeraldas?</a:t>
+              <a:t>- Setting up the Development Environment</a:t>
             </a:r>
           </a:p>
           <a:p>
             <a:pPr lvl="0"/>
             <a:r>
               <a:rPr lang="en-US"/>
-              <a:t>- Formación de las esmeraldas</a:t>
+              <a:t>- Basic Syntax and Data Types</a:t>
             </a:r>
           </a:p>
           <a:p>
             <a:pPr lvl="0"/>
             <a:r>
               <a:rPr lang="en-US"/>
-              <a:t>- Propiedades de las esmeraldas</a:t>
+              <a:t>- Control Flow Statements</a:t>
             </a:r>
           </a:p>
           <a:p>
             <a:pPr lvl="0"/>
             <a:r>
+              <a:rPr lang="en-US"/>
+              <a:t>- Object-Oriented Programming Concepts</a:t>
+            </a:r>
+          </a:p>
+          <a:p>
+            <a:pPr lvl="0"/>
+            <a:r>
+              <a:rPr lang="en-US"/>
+              <a:t>- Arrays and Collections</a:t>
+            </a:r>
+          </a:p>
+          <a:p>
+            <a:pPr lvl="0"/>
+            <a:r>
+              <a:rPr lang="en-US"/>
+              <a:t>- Exception Handling</a:t>
+            </a:r>
+          </a:p>
+          <a:p>
+            <a:pPr lvl="0"/>
+            <a:r>
+              <a:rPr lang="en-US"/>
+              <a:t>- File Input and Output</a:t>
+            </a:r>
+          </a:p>
+          <a:p>
+            <a:pPr lvl="0"/>
+            <a:r>
+              <a:rPr lang="en-US"/>
+              <a:t>- Networking Basics</a:t>
+            </a:r>
+          </a:p>
+          <a:p>
+            <a:pPr lvl="0"/>
+            <a:r>
               <a:rPr lang="en-US" sz="1200"/>
-              <a:t>- Usos y cuidados</a:t>
-            </a:r>
-          </a:p>
-        </p:txBody>
-      </p:sp>
-    </p:spTree>
-  </p:cSld>
-  <p:clrMapOvr>
-    <a:masterClrMapping/>
-  </p:clrMapOvr>
-</p:sld>
-</file>
-
-<file path=ppt/slides/slide3.xml><?xml version="1.0" encoding="utf-8"?>
-<p:sld xmlns:p="http://schemas.openxmlformats.org/presentationml/2006/main" xmlns:a="http://schemas.openxmlformats.org/drawingml/2006/main">
-  <p:cSld>
-    <p:spTree>
-      <p:nvGrpSpPr>
-        <p:cNvPr id="1" name=""/>
-        <p:cNvGrpSpPr/>
-        <p:nvPr/>
-      </p:nvGrpSpPr>
-      <p:grpSpPr>
-        <a:xfrm>
-          <a:off x="0" y="0"/>
-          <a:ext cx="0" cy="0"/>
-          <a:chOff x="0" y="0"/>
-          <a:chExt cx="0" cy="0"/>
-        </a:xfrm>
-      </p:grpSpPr>
-      <p:sp xmlns:r="http://schemas.openxmlformats.org/officeDocument/2006/relationships">
-        <p:nvSpPr>
-          <p:cNvPr id="2" name="Title 1"/>
-          <p:cNvSpPr>
-            <a:spLocks noGrp="1"/>
-          </p:cNvSpPr>
-          <p:nvPr>
-            <p:ph type="title"/>
-          </p:nvPr>
-        </p:nvSpPr>
-        <p:spPr/>
-        <p:txBody>
-          <a:bodyPr/>
-          <a:lstStyle/>
-          <a:p>
-            <a:r>
-              <a:rPr lang="en-US" sz="2000"/>
-              <a:t>Introducción</a:t>
-            </a:r>
-            <a:endParaRPr lang="en-US" smtClean="0"/>
-          </a:p>
-        </p:txBody>
-      </p:sp>
-      <p:sp xmlns:r="http://schemas.openxmlformats.org/officeDocument/2006/relationships">
-        <p:nvSpPr>
-          <p:cNvPr id="3" name="Content Placeholder 2"/>
-          <p:cNvSpPr>
-            <a:spLocks noGrp="1"/>
-          </p:cNvSpPr>
-          <p:nvPr>
-            <p:ph idx="1"/>
-          </p:nvPr>
-        </p:nvSpPr>
-        <p:spPr/>
-        <p:txBody>
-          <a:bodyPr/>
-          <a:lstStyle/>
-          <a:p>
-            <a:pPr lvl="0"/>
-            <a:r>
-              <a:rPr lang="en-US" sz="1200"/>
-              <a:t>Las esmeraldas son gemas preciosas altamente valoradas por su belleza y rareza. Han sido objeto de deseo y comercio desde tiempos antiguos, y su popularidad continúa hasta hoy en día. Además de su valor como joya, las esmeraldas también tienen un papel importante en la historia, la cultura y la mitología de muchas civilizaciones. En esta presentación, exploraremos las propiedades y características de las esmeraldas, su formación, usos y cuidados para apreciar plenamente esta joya única.</a:t>
-            </a:r>
-            <a:endParaRPr lang="en-US" smtClean="0"/>
-          </a:p>
-        </p:txBody>
-      </p:sp>
-    </p:spTree>
-  </p:cSld>
-  <p:clrMapOvr>
-    <a:masterClrMapping/>
-  </p:clrMapOvr>
-</p:sld>
-</file>
-
-<file path=ppt/slides/slide4.xml><?xml version="1.0" encoding="utf-8"?>
-<p:sld xmlns:p="http://schemas.openxmlformats.org/presentationml/2006/main" xmlns:a="http://schemas.openxmlformats.org/drawingml/2006/main">
-  <p:cSld>
-    <p:spTree>
-      <p:nvGrpSpPr>
-        <p:cNvPr id="1" name=""/>
-        <p:cNvGrpSpPr/>
-        <p:nvPr/>
-      </p:nvGrpSpPr>
-      <p:grpSpPr>
-        <a:xfrm>
-          <a:off x="0" y="0"/>
-          <a:ext cx="0" cy="0"/>
-          <a:chOff x="0" y="0"/>
-          <a:chExt cx="0" cy="0"/>
-        </a:xfrm>
-      </p:grpSpPr>
-      <p:sp xmlns:r="http://schemas.openxmlformats.org/officeDocument/2006/relationships">
-        <p:nvSpPr>
-          <p:cNvPr id="2" name="Title 1"/>
-          <p:cNvSpPr>
-            <a:spLocks noGrp="1"/>
-          </p:cNvSpPr>
-          <p:nvPr>
-            <p:ph type="title"/>
-          </p:nvPr>
-        </p:nvSpPr>
-        <p:spPr/>
-        <p:txBody>
-          <a:bodyPr/>
-          <a:lstStyle/>
-          <a:p>
-            <a:r>
-              <a:rPr lang="en-US" sz="2000"/>
-              <a:t>¿Qué son las esmeraldas?</a:t>
-            </a:r>
-            <a:endParaRPr lang="en-US" smtClean="0"/>
-          </a:p>
-        </p:txBody>
-      </p:sp>
-      <p:sp xmlns:r="http://schemas.openxmlformats.org/officeDocument/2006/relationships">
-        <p:nvSpPr>
-          <p:cNvPr id="3" name="Content Placeholder 2"/>
-          <p:cNvSpPr>
-            <a:spLocks noGrp="1"/>
-          </p:cNvSpPr>
-          <p:nvPr>
-            <p:ph idx="1"/>
-          </p:nvPr>
-        </p:nvSpPr>
-        <p:spPr/>
-        <p:txBody>
-          <a:bodyPr/>
-          <a:lstStyle/>
-          <a:p>
-            <a:pPr lvl="0"/>
-            <a:r>
-              <a:rPr lang="en-US" sz="1200"/>
-              <a:t>Las esmeraldas son una variedad del mineral berilo, y se caracterizan por su color verde intenso debido a la presencia de cromo y vanadio en su composición química. Son consideradas una de las piedras preciosas más valiosas y codiciadas en la industria de la joyería. Además de su belleza, las esmeraldas también tienen propiedades curativas y se utilizan en la medicina alternativa para tratar diversos males.</a:t>
-            </a:r>
-            <a:endParaRPr lang="en-US" smtClean="0"/>
-          </a:p>
-        </p:txBody>
-      </p:sp>
-    </p:spTree>
-  </p:cSld>
-  <p:clrMapOvr>
-    <a:masterClrMapping/>
-  </p:clrMapOvr>
-</p:sld>
-</file>
-
-<file path=ppt/slides/slide5.xml><?xml version="1.0" encoding="utf-8"?>
-<p:sld xmlns:p="http://schemas.openxmlformats.org/presentationml/2006/main" xmlns:a="http://schemas.openxmlformats.org/drawingml/2006/main">
-  <p:cSld>
-    <p:spTree>
-      <p:nvGrpSpPr>
-        <p:cNvPr id="1" name=""/>
-        <p:cNvGrpSpPr/>
-        <p:nvPr/>
-      </p:nvGrpSpPr>
-      <p:grpSpPr>
-        <a:xfrm>
-          <a:off x="0" y="0"/>
-          <a:ext cx="0" cy="0"/>
-          <a:chOff x="0" y="0"/>
-          <a:chExt cx="0" cy="0"/>
-        </a:xfrm>
-      </p:grpSpPr>
-      <p:sp xmlns:r="http://schemas.openxmlformats.org/officeDocument/2006/relationships">
-        <p:nvSpPr>
-          <p:cNvPr id="2" name="Title 1"/>
-          <p:cNvSpPr>
-            <a:spLocks noGrp="1"/>
-          </p:cNvSpPr>
-          <p:nvPr>
-            <p:ph type="title"/>
-          </p:nvPr>
-        </p:nvSpPr>
-        <p:spPr/>
-        <p:txBody>
-          <a:bodyPr/>
-          <a:lstStyle/>
-          <a:p>
-            <a:r>
-              <a:rPr lang="en-US" sz="2000"/>
-              <a:t>Formación de las esmeraldas</a:t>
-            </a:r>
-            <a:endParaRPr lang="en-US" smtClean="0"/>
-          </a:p>
-        </p:txBody>
-      </p:sp>
-      <p:sp xmlns:r="http://schemas.openxmlformats.org/officeDocument/2006/relationships">
-        <p:nvSpPr>
-          <p:cNvPr id="3" name="Content Placeholder 2"/>
-          <p:cNvSpPr>
-            <a:spLocks noGrp="1"/>
-          </p:cNvSpPr>
-          <p:nvPr>
-            <p:ph idx="1"/>
-          </p:nvPr>
-        </p:nvSpPr>
-        <p:spPr/>
-        <p:txBody>
-          <a:bodyPr/>
-          <a:lstStyle/>
-          <a:p>
-            <a:pPr lvl="0"/>
-            <a:r>
-              <a:rPr lang="en-US" sz="1200"/>
-              <a:t>Las esmeraldas se forman en ambientes geológicos únicos, generalmente en rocas sedimentarias, y se originan a partir de la combinación de elementos como berilio, aluminio, silicio y oxígeno en condiciones específicas de alta presión y temperatura. Los principales yacimientos de esmeraldas se encuentran en Colombia, Brasil y Zambia, aunque también se pueden encontrar en otros lugares como Austria, India y Madagascar. Estos yacimientos han sido explotados desde hace siglos y han sido el foco de la industria minera y la joyería durante mucho tiempo.</a:t>
-            </a:r>
-            <a:endParaRPr lang="en-US" smtClean="0"/>
-          </a:p>
-        </p:txBody>
-      </p:sp>
-    </p:spTree>
-  </p:cSld>
-  <p:clrMapOvr>
-    <a:masterClrMapping/>
-  </p:clrMapOvr>
-</p:sld>
-</file>
-
-<file path=ppt/slides/slide6.xml><?xml version="1.0" encoding="utf-8"?>
-<p:sld xmlns:p="http://schemas.openxmlformats.org/presentationml/2006/main" xmlns:a="http://schemas.openxmlformats.org/drawingml/2006/main">
-  <p:cSld>
-    <p:spTree>
-      <p:nvGrpSpPr>
-        <p:cNvPr id="1" name=""/>
-        <p:cNvGrpSpPr/>
-        <p:nvPr/>
-      </p:nvGrpSpPr>
-      <p:grpSpPr>
-        <a:xfrm>
-          <a:off x="0" y="0"/>
-          <a:ext cx="0" cy="0"/>
-          <a:chOff x="0" y="0"/>
-          <a:chExt cx="0" cy="0"/>
-        </a:xfrm>
-      </p:grpSpPr>
-      <p:sp xmlns:r="http://schemas.openxmlformats.org/officeDocument/2006/relationships">
-        <p:nvSpPr>
-          <p:cNvPr id="2" name="Title 1"/>
-          <p:cNvSpPr>
-            <a:spLocks noGrp="1"/>
-          </p:cNvSpPr>
-          <p:nvPr>
-            <p:ph type="title"/>
-          </p:nvPr>
-        </p:nvSpPr>
-        <p:spPr/>
-        <p:txBody>
-          <a:bodyPr/>
-          <a:lstStyle/>
-          <a:p>
-            <a:r>
-              <a:rPr lang="en-US" sz="2000"/>
-              <a:t>Propiedades de las esmeraldas</a:t>
-            </a:r>
-            <a:endParaRPr lang="en-US" smtClean="0"/>
-          </a:p>
-        </p:txBody>
-      </p:sp>
-      <p:sp xmlns:r="http://schemas.openxmlformats.org/officeDocument/2006/relationships">
-        <p:nvSpPr>
-          <p:cNvPr id="3" name="Content Placeholder 2"/>
-          <p:cNvSpPr>
-            <a:spLocks noGrp="1"/>
-          </p:cNvSpPr>
-          <p:nvPr>
-            <p:ph idx="1"/>
-          </p:nvPr>
-        </p:nvSpPr>
-        <p:spPr/>
-        <p:txBody>
-          <a:bodyPr/>
-          <a:lstStyle/>
-          <a:p>
-            <a:pPr lvl="0"/>
-            <a:r>
-              <a:rPr lang="en-US" sz="1200"/>
-              <a:t>Las esmeraldas son una variedad del mineral berilo y se caracterizan por su color verde intenso, que se debe a la presencia de cromo y vanadio en su composición química. Además de su belleza, las esmeraldas tienen propiedades físicas y químicas únicas, como su alta dureza en la escala de Mohs, su fragilidad y su falta de transparencia. También son conocidas por su baja refracción de la luz y sus inclusiones internas, que pueden influir en su valor. Todas estas características hacen de las esmeraldas una de las gemas más fascinantes del mundo.</a:t>
-            </a:r>
-            <a:endParaRPr lang="en-US" smtClean="0"/>
-          </a:p>
-        </p:txBody>
-      </p:sp>
-    </p:spTree>
-  </p:cSld>
-  <p:clrMapOvr>
-    <a:masterClrMapping/>
-  </p:clrMapOvr>
-</p:sld>
-</file>
-
-<file path=ppt/slides/slide7.xml><?xml version="1.0" encoding="utf-8"?>
-<p:sld xmlns:p="http://schemas.openxmlformats.org/presentationml/2006/main" xmlns:a="http://schemas.openxmlformats.org/drawingml/2006/main">
-  <p:cSld>
-    <p:spTree>
-      <p:nvGrpSpPr>
-        <p:cNvPr id="1" name=""/>
-        <p:cNvGrpSpPr/>
-        <p:nvPr/>
-      </p:nvGrpSpPr>
-      <p:grpSpPr>
-        <a:xfrm>
-          <a:off x="0" y="0"/>
-          <a:ext cx="0" cy="0"/>
-          <a:chOff x="0" y="0"/>
-          <a:chExt cx="0" cy="0"/>
-        </a:xfrm>
-      </p:grpSpPr>
-      <p:sp xmlns:r="http://schemas.openxmlformats.org/officeDocument/2006/relationships">
-        <p:nvSpPr>
-          <p:cNvPr id="2" name="Title 1"/>
-          <p:cNvSpPr>
-            <a:spLocks noGrp="1"/>
-          </p:cNvSpPr>
-          <p:nvPr>
-            <p:ph type="title"/>
-          </p:nvPr>
-        </p:nvSpPr>
-        <p:spPr/>
-        <p:txBody>
-          <a:bodyPr/>
-          <a:lstStyle/>
-          <a:p>
-            <a:r>
-              <a:rPr lang="en-US" sz="2000"/>
-              <a:t>Usos y cuidados</a:t>
-            </a:r>
-            <a:endParaRPr lang="en-US" smtClean="0"/>
-          </a:p>
-        </p:txBody>
-      </p:sp>
-      <p:sp xmlns:r="http://schemas.openxmlformats.org/officeDocument/2006/relationships">
-        <p:nvSpPr>
-          <p:cNvPr id="3" name="Content Placeholder 2"/>
-          <p:cNvSpPr>
-            <a:spLocks noGrp="1"/>
-          </p:cNvSpPr>
-          <p:nvPr>
-            <p:ph idx="1"/>
-          </p:nvPr>
-        </p:nvSpPr>
-        <p:spPr/>
-        <p:txBody>
-          <a:bodyPr/>
-          <a:lstStyle/>
-          <a:p>
-            <a:pPr lvl="0"/>
-            <a:r>
-              <a:rPr lang="en-US" sz="1200"/>
-              <a:t>Las esmeraldas son muy valoradas en la industria de la joyería debido a su belleza y rareza. Se utilizan en diversas piezas, desde anillos hasta collares y pulseras. Sin embargo, también tienen aplicaciones en la industria tecnológica y en la fabricación de herramientas de corte. Para mantener su brillo y belleza, se recomienda limpiarlas regularmente y almacenarlas en un lugar seguro y seco, alejado de otras joyas que puedan rayarlas o dañarlas.</a:t>
-            </a:r>
-            <a:endParaRPr lang="en-US" smtClean="0"/>
+              <a:t>- Multithreading</a:t>
+            </a:r>
           </a:p>
         </p:txBody>
       </p:sp>
